--- a/Project 0 Presentation .pptx
+++ b/Project 0 Presentation .pptx
@@ -105,6 +105,11 @@
       </a:defRPr>
     </a:lvl9pPr>
   </p:defaultTextStyle>
+  <p:extLst>
+    <p:ext uri="{EFAFB233-063F-42B5-8137-9DF3F51BA10A}">
+      <p15:sldGuideLst xmlns:p15="http://schemas.microsoft.com/office/powerpoint/2012/main"/>
+    </p:ext>
+  </p:extLst>
 </p:presentation>
 </file>
 
@@ -3433,8 +3438,134 @@
           <a:p>
             <a:r>
               <a:rPr lang="en-US" dirty="0"/>
-              <a:t>                       Technologies Used </a:t>
-            </a:r>
+              <a:t>                     </a:t>
+            </a:r>
+            <a:r>
+              <a:rPr lang="en-US" b="1" dirty="0"/>
+              <a:t>Technologies Used</a:t>
+            </a:r>
+          </a:p>
+        </p:txBody>
+      </p:sp>
+      <p:sp>
+        <p:nvSpPr>
+          <p:cNvPr id="3" name="TextBox 2">
+            <a:extLst>
+              <a:ext uri="{FF2B5EF4-FFF2-40B4-BE49-F238E27FC236}">
+                <a16:creationId xmlns:a16="http://schemas.microsoft.com/office/drawing/2014/main" id="{231E173A-997F-3002-C4B1-8942B4943570}"/>
+              </a:ext>
+            </a:extLst>
+          </p:cNvPr>
+          <p:cNvSpPr txBox="1"/>
+          <p:nvPr/>
+        </p:nvSpPr>
+        <p:spPr>
+          <a:xfrm>
+            <a:off x="1694180" y="2214880"/>
+            <a:ext cx="8803640" cy="3785652"/>
+          </a:xfrm>
+          <a:prstGeom prst="rect">
+            <a:avLst/>
+          </a:prstGeom>
+          <a:noFill/>
+        </p:spPr>
+        <p:txBody>
+          <a:bodyPr wrap="square" rtlCol="0">
+            <a:spAutoFit/>
+          </a:bodyPr>
+          <a:lstStyle/>
+          <a:p>
+            <a:pPr marL="285750" indent="-285750">
+              <a:buFont typeface="Arial" panose="020B0604020202020204" pitchFamily="34" charset="0"/>
+              <a:buChar char="•"/>
+            </a:pPr>
+            <a:r>
+              <a:rPr lang="en-US" sz="2400" dirty="0"/>
+              <a:t>Test</a:t>
+            </a:r>
+          </a:p>
+          <a:p>
+            <a:pPr marL="285750" indent="-285750">
+              <a:buFont typeface="Arial" panose="020B0604020202020204" pitchFamily="34" charset="0"/>
+              <a:buChar char="•"/>
+            </a:pPr>
+            <a:r>
+              <a:rPr lang="en-US" sz="2400" dirty="0"/>
+              <a:t>Test</a:t>
+            </a:r>
+          </a:p>
+          <a:p>
+            <a:pPr marL="285750" indent="-285750">
+              <a:buFont typeface="Arial" panose="020B0604020202020204" pitchFamily="34" charset="0"/>
+              <a:buChar char="•"/>
+            </a:pPr>
+            <a:r>
+              <a:rPr lang="en-US" sz="2400" dirty="0"/>
+              <a:t>Test</a:t>
+            </a:r>
+          </a:p>
+          <a:p>
+            <a:pPr marL="285750" indent="-285750">
+              <a:buFont typeface="Arial" panose="020B0604020202020204" pitchFamily="34" charset="0"/>
+              <a:buChar char="•"/>
+            </a:pPr>
+            <a:r>
+              <a:rPr lang="en-US" sz="2400" dirty="0"/>
+              <a:t>Test</a:t>
+            </a:r>
+          </a:p>
+          <a:p>
+            <a:pPr marL="285750" indent="-285750">
+              <a:buFont typeface="Arial" panose="020B0604020202020204" pitchFamily="34" charset="0"/>
+              <a:buChar char="•"/>
+            </a:pPr>
+            <a:r>
+              <a:rPr lang="en-US" sz="2400" dirty="0"/>
+              <a:t>Test</a:t>
+            </a:r>
+          </a:p>
+          <a:p>
+            <a:pPr marL="285750" indent="-285750">
+              <a:buFont typeface="Arial" panose="020B0604020202020204" pitchFamily="34" charset="0"/>
+              <a:buChar char="•"/>
+            </a:pPr>
+            <a:r>
+              <a:rPr lang="en-US" sz="2400" dirty="0"/>
+              <a:t>Test</a:t>
+            </a:r>
+          </a:p>
+          <a:p>
+            <a:pPr marL="285750" indent="-285750">
+              <a:buFont typeface="Arial" panose="020B0604020202020204" pitchFamily="34" charset="0"/>
+              <a:buChar char="•"/>
+            </a:pPr>
+            <a:r>
+              <a:rPr lang="en-US" sz="2400" dirty="0"/>
+              <a:t>Test</a:t>
+            </a:r>
+          </a:p>
+          <a:p>
+            <a:pPr marL="285750" indent="-285750">
+              <a:buFont typeface="Arial" panose="020B0604020202020204" pitchFamily="34" charset="0"/>
+              <a:buChar char="•"/>
+            </a:pPr>
+            <a:r>
+              <a:rPr lang="en-US" sz="2400" dirty="0"/>
+              <a:t>Test</a:t>
+            </a:r>
+          </a:p>
+          <a:p>
+            <a:pPr marL="285750" indent="-285750">
+              <a:buFont typeface="Arial" panose="020B0604020202020204" pitchFamily="34" charset="0"/>
+              <a:buChar char="•"/>
+            </a:pPr>
+            <a:r>
+              <a:rPr lang="en-US" sz="2400" dirty="0"/>
+              <a:t>Test</a:t>
+            </a:r>
+          </a:p>
+          <a:p>
+            <a:endParaRPr lang="en-US" sz="2400" dirty="0"/>
           </a:p>
         </p:txBody>
       </p:sp>

--- a/Project 0 Presentation .pptx
+++ b/Project 0 Presentation .pptx
@@ -7,6 +7,7 @@
   <p:sldIdLst>
     <p:sldId id="256" r:id="rId2"/>
     <p:sldId id="258" r:id="rId3"/>
+    <p:sldId id="259" r:id="rId4"/>
   </p:sldIdLst>
   <p:sldSz cx="12192000" cy="6858000"/>
   <p:notesSz cx="6858000" cy="9144000"/>
@@ -3461,8 +3462,8 @@
         </p:nvSpPr>
         <p:spPr>
           <a:xfrm>
-            <a:off x="1694180" y="2214880"/>
-            <a:ext cx="8803640" cy="3785652"/>
+            <a:off x="259080" y="2123440"/>
+            <a:ext cx="11673840" cy="4524315"/>
           </a:xfrm>
           <a:prstGeom prst="rect">
             <a:avLst/>
@@ -3480,8 +3481,12 @@
               <a:buChar char="•"/>
             </a:pPr>
             <a:r>
-              <a:rPr lang="en-US" sz="2400" dirty="0"/>
-              <a:t>Test</a:t>
+              <a:rPr lang="en-US" sz="2200" b="1" dirty="0"/>
+              <a:t>Selenium</a:t>
+            </a:r>
+            <a:r>
+              <a:rPr lang="en-US" sz="2200" dirty="0"/>
+              <a:t> WebDriver is a web framework that permits you to execute cross-browser tests. This tool is used for automating web-based application testing to verify that it performs expectedly. Selenium WebDriver allows you to choose a programming language to create test scripts.</a:t>
             </a:r>
           </a:p>
           <a:p>
@@ -3489,9 +3494,145 @@
               <a:buFont typeface="Arial" panose="020B0604020202020204" pitchFamily="34" charset="0"/>
               <a:buChar char="•"/>
             </a:pPr>
-            <a:r>
-              <a:rPr lang="en-US" sz="2400" dirty="0"/>
-              <a:t>Test</a:t>
+            <a:endParaRPr lang="en-US" sz="2200" dirty="0"/>
+          </a:p>
+          <a:p>
+            <a:pPr marL="285750" marR="0" lvl="0" indent="-285750" algn="l" defTabSz="914400" rtl="0" eaLnBrk="1" fontAlgn="auto" latinLnBrk="0" hangingPunct="1">
+              <a:lnSpc>
+                <a:spcPct val="100000"/>
+              </a:lnSpc>
+              <a:spcBef>
+                <a:spcPts val="0"/>
+              </a:spcBef>
+              <a:spcAft>
+                <a:spcPts val="0"/>
+              </a:spcAft>
+              <a:buClrTx/>
+              <a:buSzTx/>
+              <a:buFont typeface="Arial" panose="020B0604020202020204" pitchFamily="34" charset="0"/>
+              <a:buChar char="•"/>
+              <a:tabLst/>
+              <a:defRPr/>
+            </a:pPr>
+            <a:r>
+              <a:rPr kumimoji="0" lang="en-US" sz="2200" b="1" i="0" u="none" strike="noStrike" kern="1200" cap="none" spc="0" normalizeH="0" baseline="0" noProof="0" dirty="0">
+                <a:ln>
+                  <a:noFill/>
+                </a:ln>
+                <a:solidFill>
+                  <a:prstClr val="black"/>
+                </a:solidFill>
+                <a:effectLst/>
+                <a:uLnTx/>
+                <a:uFillTx/>
+                <a:latin typeface="Calibri" panose="020F0502020204030204"/>
+                <a:ea typeface="+mn-ea"/>
+                <a:cs typeface="+mn-cs"/>
+              </a:rPr>
+              <a:t>IntelliJ </a:t>
+            </a:r>
+            <a:r>
+              <a:rPr kumimoji="0" lang="en-US" sz="2200" b="0" i="0" u="none" strike="noStrike" kern="1200" cap="none" spc="0" normalizeH="0" baseline="0" noProof="0" dirty="0">
+                <a:ln>
+                  <a:noFill/>
+                </a:ln>
+                <a:solidFill>
+                  <a:srgbClr val="4D5156"/>
+                </a:solidFill>
+                <a:effectLst/>
+                <a:uLnTx/>
+                <a:uFillTx/>
+                <a:latin typeface="Roboto" panose="02000000000000000000" pitchFamily="2" charset="0"/>
+                <a:ea typeface="+mn-ea"/>
+                <a:cs typeface="+mn-cs"/>
+              </a:rPr>
+              <a:t>an integrated development environment written in Java for developing computer software written in Java, Kotlin, Groovy, and other JVM-based languages. In our case, its java.</a:t>
+            </a:r>
+          </a:p>
+          <a:p>
+            <a:pPr marL="285750" marR="0" lvl="0" indent="-285750" algn="l" defTabSz="914400" rtl="0" eaLnBrk="1" fontAlgn="auto" latinLnBrk="0" hangingPunct="1">
+              <a:lnSpc>
+                <a:spcPct val="100000"/>
+              </a:lnSpc>
+              <a:spcBef>
+                <a:spcPts val="0"/>
+              </a:spcBef>
+              <a:spcAft>
+                <a:spcPts val="0"/>
+              </a:spcAft>
+              <a:buClrTx/>
+              <a:buSzTx/>
+              <a:buFont typeface="Arial" panose="020B0604020202020204" pitchFamily="34" charset="0"/>
+              <a:buChar char="•"/>
+              <a:tabLst/>
+              <a:defRPr/>
+            </a:pPr>
+            <a:endParaRPr kumimoji="0" lang="en-US" sz="2200" b="1" i="0" u="none" strike="noStrike" kern="1200" cap="none" spc="0" normalizeH="0" baseline="0" noProof="0" dirty="0">
+              <a:ln>
+                <a:noFill/>
+              </a:ln>
+              <a:solidFill>
+                <a:prstClr val="black"/>
+              </a:solidFill>
+              <a:effectLst/>
+              <a:uLnTx/>
+              <a:uFillTx/>
+              <a:latin typeface="Calibri" panose="020F0502020204030204"/>
+              <a:ea typeface="+mn-ea"/>
+              <a:cs typeface="+mn-cs"/>
+            </a:endParaRPr>
+          </a:p>
+          <a:p>
+            <a:pPr marL="285750" marR="0" lvl="0" indent="-285750" algn="l" defTabSz="914400" rtl="0" eaLnBrk="1" fontAlgn="auto" latinLnBrk="0" hangingPunct="1">
+              <a:lnSpc>
+                <a:spcPct val="100000"/>
+              </a:lnSpc>
+              <a:spcBef>
+                <a:spcPts val="0"/>
+              </a:spcBef>
+              <a:spcAft>
+                <a:spcPts val="0"/>
+              </a:spcAft>
+              <a:buClrTx/>
+              <a:buSzTx/>
+              <a:buFont typeface="Arial" panose="020B0604020202020204" pitchFamily="34" charset="0"/>
+              <a:buChar char="•"/>
+              <a:tabLst/>
+              <a:defRPr/>
+            </a:pPr>
+            <a:r>
+              <a:rPr kumimoji="0" lang="en-US" sz="2200" b="1" i="0" u="none" strike="noStrike" kern="1200" cap="none" spc="0" normalizeH="0" baseline="0" noProof="0" dirty="0">
+                <a:ln>
+                  <a:noFill/>
+                </a:ln>
+                <a:solidFill>
+                  <a:prstClr val="black"/>
+                </a:solidFill>
+                <a:effectLst/>
+                <a:uLnTx/>
+                <a:uFillTx/>
+                <a:latin typeface="Calibri" panose="020F0502020204030204"/>
+                <a:ea typeface="+mn-ea"/>
+                <a:cs typeface="+mn-cs"/>
+              </a:rPr>
+              <a:t>Maven </a:t>
+            </a:r>
+            <a:r>
+              <a:rPr kumimoji="0" lang="en-US" sz="2200" b="0" i="0" u="none" strike="noStrike" kern="1200" cap="none" spc="0" normalizeH="0" baseline="0" noProof="0" dirty="0">
+                <a:ln>
+                  <a:noFill/>
+                </a:ln>
+                <a:solidFill>
+                  <a:srgbClr val="333333"/>
+                </a:solidFill>
+                <a:effectLst/>
+                <a:uLnTx/>
+                <a:uFillTx/>
+                <a:latin typeface="Helvetica Neue"/>
+                <a:ea typeface="+mn-ea"/>
+                <a:cs typeface="+mn-cs"/>
+              </a:rPr>
+              <a:t>a software project management and comprehension tool. Based on the concept of a project object model (POM), Maven can manage a project's build, reporting and documentation from a central piece of information.</a:t>
             </a:r>
           </a:p>
           <a:p>
@@ -3499,20 +3640,76 @@
               <a:buFont typeface="Arial" panose="020B0604020202020204" pitchFamily="34" charset="0"/>
               <a:buChar char="•"/>
             </a:pPr>
-            <a:r>
-              <a:rPr lang="en-US" sz="2400" dirty="0"/>
-              <a:t>Test</a:t>
-            </a:r>
-          </a:p>
+            <a:endParaRPr lang="en-US" sz="2200" dirty="0"/>
+          </a:p>
+          <a:p>
+            <a:endParaRPr lang="en-US" sz="2400" dirty="0"/>
+          </a:p>
+        </p:txBody>
+      </p:sp>
+    </p:spTree>
+    <p:extLst>
+      <p:ext uri="{BB962C8B-B14F-4D97-AF65-F5344CB8AC3E}">
+        <p14:creationId xmlns:p14="http://schemas.microsoft.com/office/powerpoint/2010/main" val="130252925"/>
+      </p:ext>
+    </p:extLst>
+  </p:cSld>
+  <p:clrMapOvr>
+    <a:masterClrMapping/>
+  </p:clrMapOvr>
+</p:sld>
+</file>
+
+<file path=ppt/slides/slide3.xml><?xml version="1.0" encoding="utf-8"?>
+<p:sld xmlns:a="http://schemas.openxmlformats.org/drawingml/2006/main" xmlns:r="http://schemas.openxmlformats.org/officeDocument/2006/relationships" xmlns:p="http://schemas.openxmlformats.org/presentationml/2006/main">
+  <p:cSld>
+    <p:spTree>
+      <p:nvGrpSpPr>
+        <p:cNvPr id="1" name=""/>
+        <p:cNvGrpSpPr/>
+        <p:nvPr/>
+      </p:nvGrpSpPr>
+      <p:grpSpPr>
+        <a:xfrm>
+          <a:off x="0" y="0"/>
+          <a:ext cx="0" cy="0"/>
+          <a:chOff x="0" y="0"/>
+          <a:chExt cx="0" cy="0"/>
+        </a:xfrm>
+      </p:grpSpPr>
+      <p:sp>
+        <p:nvSpPr>
+          <p:cNvPr id="3" name="TextBox 2">
+            <a:extLst>
+              <a:ext uri="{FF2B5EF4-FFF2-40B4-BE49-F238E27FC236}">
+                <a16:creationId xmlns:a16="http://schemas.microsoft.com/office/drawing/2014/main" id="{D8322767-CEB8-AEA5-5AD0-D6F4294B84C5}"/>
+              </a:ext>
+            </a:extLst>
+          </p:cNvPr>
+          <p:cNvSpPr txBox="1"/>
+          <p:nvPr/>
+        </p:nvSpPr>
+        <p:spPr>
+          <a:xfrm>
+            <a:off x="233680" y="1351508"/>
+            <a:ext cx="11724640" cy="4154984"/>
+          </a:xfrm>
+          <a:prstGeom prst="rect">
+            <a:avLst/>
+          </a:prstGeom>
+          <a:noFill/>
+        </p:spPr>
+        <p:txBody>
+          <a:bodyPr wrap="square">
+            <a:spAutoFit/>
+          </a:bodyPr>
+          <a:lstStyle/>
           <a:p>
             <a:pPr marL="285750" indent="-285750">
               <a:buFont typeface="Arial" panose="020B0604020202020204" pitchFamily="34" charset="0"/>
               <a:buChar char="•"/>
             </a:pPr>
-            <a:r>
-              <a:rPr lang="en-US" sz="2400" dirty="0"/>
-              <a:t>Test</a:t>
-            </a:r>
+            <a:endParaRPr lang="en-US" sz="2200" b="1" dirty="0"/>
           </a:p>
           <a:p>
             <a:pPr marL="285750" indent="-285750">
@@ -3520,8 +3717,12 @@
               <a:buChar char="•"/>
             </a:pPr>
             <a:r>
-              <a:rPr lang="en-US" sz="2400" dirty="0"/>
-              <a:t>Test</a:t>
+              <a:rPr lang="en-US" sz="2200" b="1" dirty="0"/>
+              <a:t>Gherkin</a:t>
+            </a:r>
+            <a:r>
+              <a:rPr lang="en-US" sz="2200" dirty="0"/>
+              <a:t> is Cucumber's language parser, which allows software behaviors to be specified in a logical language that people can understand. This means that Cucumber feature documentation is written in business-facing text that is non-technical and human readable for stakeholders like business analysts and managers.</a:t>
             </a:r>
           </a:p>
           <a:p>
@@ -3529,10 +3730,7 @@
               <a:buFont typeface="Arial" panose="020B0604020202020204" pitchFamily="34" charset="0"/>
               <a:buChar char="•"/>
             </a:pPr>
-            <a:r>
-              <a:rPr lang="en-US" sz="2400" dirty="0"/>
-              <a:t>Test</a:t>
-            </a:r>
+            <a:endParaRPr lang="en-US" sz="2200" dirty="0"/>
           </a:p>
           <a:p>
             <a:pPr marL="285750" indent="-285750">
@@ -3540,39 +3738,20 @@
               <a:buChar char="•"/>
             </a:pPr>
             <a:r>
-              <a:rPr lang="en-US" sz="2400" dirty="0"/>
-              <a:t>Test</a:t>
-            </a:r>
-          </a:p>
-          <a:p>
-            <a:pPr marL="285750" indent="-285750">
-              <a:buFont typeface="Arial" panose="020B0604020202020204" pitchFamily="34" charset="0"/>
-              <a:buChar char="•"/>
-            </a:pPr>
-            <a:r>
-              <a:rPr lang="en-US" sz="2400" dirty="0"/>
-              <a:t>Test</a:t>
-            </a:r>
-          </a:p>
-          <a:p>
-            <a:pPr marL="285750" indent="-285750">
-              <a:buFont typeface="Arial" panose="020B0604020202020204" pitchFamily="34" charset="0"/>
-              <a:buChar char="•"/>
-            </a:pPr>
-            <a:r>
-              <a:rPr lang="en-US" sz="2400" dirty="0"/>
-              <a:t>Test</a:t>
-            </a:r>
-          </a:p>
-          <a:p>
-            <a:endParaRPr lang="en-US" sz="2400" dirty="0"/>
+              <a:rPr lang="en-US" sz="2200" b="1" dirty="0"/>
+              <a:t>Cucumber</a:t>
+            </a:r>
+            <a:r>
+              <a:rPr lang="en-US" sz="2200" dirty="0"/>
+              <a:t> is a testing tool that supports Behavior Driven Development (BDD). It offers a way to write tests that anybody can understand, regardless of their technical knowledge. In BDD, users (business analysts, product owners) first write scenarios or acceptance tests that describe the behavior of the system from the customer’s perspective, for review and sign-off by the product owners before developers write their codes. Cucumber framework uses Ruby programming language.</a:t>
+            </a:r>
           </a:p>
         </p:txBody>
       </p:sp>
     </p:spTree>
     <p:extLst>
       <p:ext uri="{BB962C8B-B14F-4D97-AF65-F5344CB8AC3E}">
-        <p14:creationId xmlns:p14="http://schemas.microsoft.com/office/powerpoint/2010/main" val="130252925"/>
+        <p14:creationId xmlns:p14="http://schemas.microsoft.com/office/powerpoint/2010/main" val="934319456"/>
       </p:ext>
     </p:extLst>
   </p:cSld>
